--- a/Teleconference/20200626/00-agenda_01.pptx
+++ b/Teleconference/20200626/00-agenda_01.pptx
@@ -4117,14 +4117,14 @@
           <p:nvPr>
             <p:extLst>
               <p:ext uri="{D42A27DB-BD31-4B8C-83A1-F6EECF244321}">
-                <p14:modId xmlns:p14="http://schemas.microsoft.com/office/powerpoint/2010/main" val="3959977238"/>
+                <p14:modId xmlns:p14="http://schemas.microsoft.com/office/powerpoint/2010/main" val="3475747000"/>
               </p:ext>
             </p:extLst>
           </p:nvPr>
         </p:nvGraphicFramePr>
         <p:xfrm>
           <a:off x="518389" y="2166620"/>
-          <a:ext cx="7685696" cy="3779520"/>
+          <a:ext cx="7685696" cy="2987040"/>
         </p:xfrm>
         <a:graphic>
           <a:graphicData uri="http://schemas.openxmlformats.org/drawingml/2006/table">
@@ -4385,12 +4385,29 @@
                     <a:bodyPr/>
                     <a:lstStyle/>
                     <a:p>
+                      <a:pPr marL="0" marR="0" lvl="0" indent="0" algn="l" defTabSz="914400" rtl="0" eaLnBrk="1" fontAlgn="auto" latinLnBrk="0" hangingPunct="1">
+                        <a:lnSpc>
+                          <a:spcPct val="100000"/>
+                        </a:lnSpc>
+                        <a:spcBef>
+                          <a:spcPts val="0"/>
+                        </a:spcBef>
+                        <a:spcAft>
+                          <a:spcPts val="0"/>
+                        </a:spcAft>
+                        <a:buClrTx/>
+                        <a:buSzTx/>
+                        <a:buFontTx/>
+                        <a:buNone/>
+                        <a:tabLst/>
+                        <a:defRPr/>
+                      </a:pPr>
                       <a:r>
                         <a:rPr kumimoji="1" lang="en-US" altLang="ja-JP" sz="2000" dirty="0">
                           <a:latin typeface="Meiryo UI" panose="020B0604030504040204" pitchFamily="34" charset="-128"/>
                           <a:ea typeface="Meiryo UI" panose="020B0604030504040204" pitchFamily="34" charset="-128"/>
                         </a:rPr>
-                        <a:t>Standalone Node-RED</a:t>
+                        <a:t>Flow Development Guideline</a:t>
                       </a:r>
                       <a:endParaRPr kumimoji="1" lang="ja-JP" altLang="en-US" sz="2000">
                         <a:latin typeface="Meiryo UI" panose="020B0604030504040204" pitchFamily="34" charset="-128"/>
@@ -4438,7 +4455,7 @@
                           <a:latin typeface="Meiryo UI" panose="020B0604030504040204" pitchFamily="34" charset="-128"/>
                           <a:ea typeface="Meiryo UI" panose="020B0604030504040204" pitchFamily="34" charset="-128"/>
                         </a:rPr>
-                        <a:t>5</a:t>
+                        <a:t>3</a:t>
                       </a:r>
                       <a:endParaRPr kumimoji="1" lang="ja-JP" altLang="en-US" sz="2000">
                         <a:latin typeface="Meiryo UI" panose="020B0604030504040204" pitchFamily="34" charset="-128"/>
@@ -4474,187 +4491,30 @@
                     <a:bodyPr/>
                     <a:lstStyle/>
                     <a:p>
+                      <a:pPr marL="0" marR="0" lvl="0" indent="0" algn="l" defTabSz="914400" rtl="0" eaLnBrk="1" fontAlgn="auto" latinLnBrk="0" hangingPunct="1">
+                        <a:lnSpc>
+                          <a:spcPct val="100000"/>
+                        </a:lnSpc>
+                        <a:spcBef>
+                          <a:spcPts val="0"/>
+                        </a:spcBef>
+                        <a:spcAft>
+                          <a:spcPts val="0"/>
+                        </a:spcAft>
+                        <a:buClrTx/>
+                        <a:buSzTx/>
+                        <a:buFontTx/>
+                        <a:buNone/>
+                        <a:tabLst/>
+                        <a:defRPr/>
+                      </a:pPr>
                       <a:r>
                         <a:rPr kumimoji="1" lang="en-US" altLang="ja-JP" sz="2000" dirty="0">
                           <a:latin typeface="Meiryo UI" panose="020B0604030504040204" pitchFamily="34" charset="-128"/>
                           <a:ea typeface="Meiryo UI" panose="020B0604030504040204" pitchFamily="34" charset="-128"/>
                         </a:rPr>
-                        <a:t>Flow Linter Development</a:t>
+                        <a:t>Standalone Node-RED</a:t>
                       </a:r>
-                    </a:p>
-                  </a:txBody>
-                  <a:tcPr anchor="ctr"/>
-                </a:tc>
-                <a:tc>
-                  <a:txBody>
-                    <a:bodyPr/>
-                    <a:lstStyle/>
-                    <a:p>
-                      <a:r>
-                        <a:rPr kumimoji="1" lang="en-US" altLang="ja-JP" sz="2000" dirty="0" err="1">
-                          <a:latin typeface="Meiryo UI" panose="020B0604030504040204" pitchFamily="34" charset="-128"/>
-                          <a:ea typeface="Meiryo UI" panose="020B0604030504040204" pitchFamily="34" charset="-128"/>
-                        </a:rPr>
-                        <a:t>Toumura</a:t>
-                      </a:r>
-                      <a:endParaRPr kumimoji="1" lang="ja-JP" altLang="en-US" sz="2000">
-                        <a:latin typeface="Meiryo UI" panose="020B0604030504040204" pitchFamily="34" charset="-128"/>
-                        <a:ea typeface="Meiryo UI" panose="020B0604030504040204" pitchFamily="34" charset="-128"/>
-                      </a:endParaRPr>
-                    </a:p>
-                  </a:txBody>
-                  <a:tcPr anchor="ctr"/>
-                </a:tc>
-                <a:extLst>
-                  <a:ext uri="{0D108BD9-81ED-4DB2-BD59-A6C34878D82A}">
-                    <a16:rowId xmlns:a16="http://schemas.microsoft.com/office/drawing/2014/main" val="4112458034"/>
-                  </a:ext>
-                </a:extLst>
-              </a:tr>
-              <a:tr h="370840">
-                <a:tc>
-                  <a:txBody>
-                    <a:bodyPr/>
-                    <a:lstStyle/>
-                    <a:p>
-                      <a:pPr algn="ctr"/>
-                      <a:r>
-                        <a:rPr kumimoji="1" lang="en-US" altLang="ja-JP" sz="2000" dirty="0">
-                          <a:latin typeface="Meiryo UI" panose="020B0604030504040204" pitchFamily="34" charset="-128"/>
-                          <a:ea typeface="Meiryo UI" panose="020B0604030504040204" pitchFamily="34" charset="-128"/>
-                        </a:rPr>
-                        <a:t>3</a:t>
-                      </a:r>
-                      <a:endParaRPr kumimoji="1" lang="ja-JP" altLang="en-US" sz="2000">
-                        <a:latin typeface="Meiryo UI" panose="020B0604030504040204" pitchFamily="34" charset="-128"/>
-                        <a:ea typeface="Meiryo UI" panose="020B0604030504040204" pitchFamily="34" charset="-128"/>
-                      </a:endParaRPr>
-                    </a:p>
-                  </a:txBody>
-                  <a:tcPr anchor="ctr"/>
-                </a:tc>
-                <a:tc>
-                  <a:txBody>
-                    <a:bodyPr/>
-                    <a:lstStyle/>
-                    <a:p>
-                      <a:pPr algn="ctr"/>
-                      <a:r>
-                        <a:rPr kumimoji="1" lang="en-US" altLang="ja-JP" sz="2000" dirty="0">
-                          <a:latin typeface="Century Gothic" panose="020B0502020202020204" pitchFamily="34" charset="0"/>
-                          <a:ea typeface="Meiryo UI" panose="020B0604030504040204" pitchFamily="34" charset="-128"/>
-                        </a:rPr>
-                        <a:t>10m</a:t>
-                      </a:r>
-                    </a:p>
-                  </a:txBody>
-                  <a:tcPr anchor="ctr"/>
-                </a:tc>
-                <a:tc>
-                  <a:txBody>
-                    <a:bodyPr/>
-                    <a:lstStyle/>
-                    <a:p>
-                      <a:r>
-                        <a:rPr kumimoji="1" lang="en-US" altLang="ja-JP" sz="2000" dirty="0">
-                          <a:latin typeface="Meiryo UI" panose="020B0604030504040204" pitchFamily="34" charset="-128"/>
-                          <a:ea typeface="Meiryo UI" panose="020B0604030504040204" pitchFamily="34" charset="-128"/>
-                        </a:rPr>
-                        <a:t>Testing Flows</a:t>
-                      </a:r>
-                      <a:endParaRPr kumimoji="1" lang="ja-JP" altLang="en-US" sz="2000">
-                        <a:latin typeface="Meiryo UI" panose="020B0604030504040204" pitchFamily="34" charset="-128"/>
-                        <a:ea typeface="Meiryo UI" panose="020B0604030504040204" pitchFamily="34" charset="-128"/>
-                      </a:endParaRPr>
-                    </a:p>
-                  </a:txBody>
-                  <a:tcPr anchor="ctr"/>
-                </a:tc>
-                <a:tc>
-                  <a:txBody>
-                    <a:bodyPr/>
-                    <a:lstStyle/>
-                    <a:p>
-                      <a:r>
-                        <a:rPr kumimoji="1" lang="en-US" altLang="ja-JP" sz="2000" dirty="0">
-                          <a:latin typeface="Meiryo UI" panose="020B0604030504040204" pitchFamily="34" charset="-128"/>
-                          <a:ea typeface="Meiryo UI" panose="020B0604030504040204" pitchFamily="34" charset="-128"/>
-                        </a:rPr>
-                        <a:t>Yokoi</a:t>
-                      </a:r>
-                      <a:endParaRPr kumimoji="1" lang="ja-JP" altLang="en-US" sz="2000">
-                        <a:latin typeface="Meiryo UI" panose="020B0604030504040204" pitchFamily="34" charset="-128"/>
-                        <a:ea typeface="Meiryo UI" panose="020B0604030504040204" pitchFamily="34" charset="-128"/>
-                      </a:endParaRPr>
-                    </a:p>
-                  </a:txBody>
-                  <a:tcPr anchor="ctr"/>
-                </a:tc>
-                <a:extLst>
-                  <a:ext uri="{0D108BD9-81ED-4DB2-BD59-A6C34878D82A}">
-                    <a16:rowId xmlns:a16="http://schemas.microsoft.com/office/drawing/2014/main" val="1735549556"/>
-                  </a:ext>
-                </a:extLst>
-              </a:tr>
-              <a:tr h="370840">
-                <a:tc>
-                  <a:txBody>
-                    <a:bodyPr/>
-                    <a:lstStyle/>
-                    <a:p>
-                      <a:pPr algn="ctr"/>
-                      <a:r>
-                        <a:rPr kumimoji="1" lang="en-US" altLang="ja-JP" sz="2000" dirty="0">
-                          <a:latin typeface="Meiryo UI" panose="020B0604030504040204" pitchFamily="34" charset="-128"/>
-                          <a:ea typeface="Meiryo UI" panose="020B0604030504040204" pitchFamily="34" charset="-128"/>
-                        </a:rPr>
-                        <a:t>4</a:t>
-                      </a:r>
-                      <a:endParaRPr kumimoji="1" lang="ja-JP" altLang="en-US" sz="2000">
-                        <a:latin typeface="Meiryo UI" panose="020B0604030504040204" pitchFamily="34" charset="-128"/>
-                        <a:ea typeface="Meiryo UI" panose="020B0604030504040204" pitchFamily="34" charset="-128"/>
-                      </a:endParaRPr>
-                    </a:p>
-                  </a:txBody>
-                  <a:tcPr anchor="ctr"/>
-                </a:tc>
-                <a:tc>
-                  <a:txBody>
-                    <a:bodyPr/>
-                    <a:lstStyle/>
-                    <a:p>
-                      <a:pPr algn="ctr"/>
-                      <a:r>
-                        <a:rPr kumimoji="1" lang="en-US" altLang="ja-JP" sz="2000" dirty="0">
-                          <a:latin typeface="Century Gothic" panose="020B0502020202020204" pitchFamily="34" charset="0"/>
-                          <a:ea typeface="Meiryo UI" panose="020B0604030504040204" pitchFamily="34" charset="-128"/>
-                        </a:rPr>
-                        <a:t>10m</a:t>
-                      </a:r>
-                      <a:endParaRPr kumimoji="1" lang="ja-JP" altLang="en-US" sz="2000">
-                        <a:latin typeface="Century Gothic" panose="020B0502020202020204" pitchFamily="34" charset="0"/>
-                        <a:ea typeface="Meiryo UI" panose="020B0604030504040204" pitchFamily="34" charset="-128"/>
-                      </a:endParaRPr>
-                    </a:p>
-                  </a:txBody>
-                  <a:tcPr anchor="ctr"/>
-                </a:tc>
-                <a:tc>
-                  <a:txBody>
-                    <a:bodyPr/>
-                    <a:lstStyle/>
-                    <a:p>
-                      <a:r>
-                        <a:rPr kumimoji="1" lang="en-US" altLang="ja-JP" sz="2000" dirty="0">
-                          <a:latin typeface="Meiryo UI" panose="020B0604030504040204" pitchFamily="34" charset="-128"/>
-                          <a:ea typeface="Meiryo UI" panose="020B0604030504040204" pitchFamily="34" charset="-128"/>
-                        </a:rPr>
-                        <a:t>Flow Development Guideline</a:t>
-                      </a:r>
-                      <a:endParaRPr kumimoji="1" lang="ja-JP" altLang="en-US" sz="2000">
-                        <a:latin typeface="Meiryo UI" panose="020B0604030504040204" pitchFamily="34" charset="-128"/>
-                        <a:ea typeface="Meiryo UI" panose="020B0604030504040204" pitchFamily="34" charset="-128"/>
-                      </a:endParaRPr>
                     </a:p>
                   </a:txBody>
                   <a:tcPr anchor="ctr"/>
@@ -4697,7 +4557,7 @@
                           <a:latin typeface="Meiryo UI" panose="020B0604030504040204" pitchFamily="34" charset="-128"/>
                           <a:ea typeface="Meiryo UI" panose="020B0604030504040204" pitchFamily="34" charset="-128"/>
                         </a:rPr>
-                        <a:t>6</a:t>
+                        <a:t>4</a:t>
                       </a:r>
                       <a:endParaRPr kumimoji="1" lang="ja-JP" altLang="en-US" sz="2000">
                         <a:latin typeface="Meiryo UI" panose="020B0604030504040204" pitchFamily="34" charset="-128"/>
@@ -4796,7 +4656,7 @@
                           <a:latin typeface="Meiryo UI" panose="020B0604030504040204" pitchFamily="34" charset="-128"/>
                           <a:ea typeface="Meiryo UI" panose="020B0604030504040204" pitchFamily="34" charset="-128"/>
                         </a:rPr>
-                        <a:t>7</a:t>
+                        <a:t>5</a:t>
                       </a:r>
                       <a:endParaRPr kumimoji="1" lang="ja-JP" altLang="en-US" sz="2000">
                         <a:latin typeface="Meiryo UI" panose="020B0604030504040204" pitchFamily="34" charset="-128"/>
@@ -6173,12 +6033,14 @@
 </file>
 
 <file path=customXml/item1.xml><?xml version="1.0" encoding="utf-8"?>
-<?mso-contentType ?>
-<FormTemplates xmlns="http://schemas.microsoft.com/sharepoint/v3/contenttype/forms">
-  <Display>DocumentLibraryForm</Display>
-  <Edit>DocumentLibraryForm</Edit>
-  <New>DocumentLibraryForm</New>
-</FormTemplates>
+<p:properties xmlns:p="http://schemas.microsoft.com/office/2006/metadata/properties" xmlns:xsi="http://www.w3.org/2001/XMLSchema-instance" xmlns:pc="http://schemas.microsoft.com/office/infopath/2007/PartnerControls">
+  <documentManagement>
+    <UniquePath xmlns="1e78d572-3cd7-4422-acd1-43e60bd62168" xsi:nil="true"/>
+    <_x5143__x306e__x30d1__x30b9_ xmlns="1e78d572-3cd7-4422-acd1-43e60bd62168" xsi:nil="true"/>
+    <Date_x0020_Modified xmlns="1e78d572-3cd7-4422-acd1-43e60bd62168" xsi:nil="true"/>
+    <_x5143__x306e__x89aa__x30d5__x30a9__x30eb__x30c0_ xmlns="1e78d572-3cd7-4422-acd1-43e60bd62168" xsi:nil="true"/>
+  </documentManagement>
+</p:properties>
 </file>
 
 <file path=customXml/item2.xml><?xml version="1.0" encoding="utf-8"?>
@@ -6429,20 +6291,27 @@
 </file>
 
 <file path=customXml/item3.xml><?xml version="1.0" encoding="utf-8"?>
-<p:properties xmlns:p="http://schemas.microsoft.com/office/2006/metadata/properties" xmlns:xsi="http://www.w3.org/2001/XMLSchema-instance" xmlns:pc="http://schemas.microsoft.com/office/infopath/2007/PartnerControls">
-  <documentManagement>
-    <UniquePath xmlns="1e78d572-3cd7-4422-acd1-43e60bd62168" xsi:nil="true"/>
-    <_x5143__x306e__x30d1__x30b9_ xmlns="1e78d572-3cd7-4422-acd1-43e60bd62168" xsi:nil="true"/>
-    <Date_x0020_Modified xmlns="1e78d572-3cd7-4422-acd1-43e60bd62168" xsi:nil="true"/>
-    <_x5143__x306e__x89aa__x30d5__x30a9__x30eb__x30c0_ xmlns="1e78d572-3cd7-4422-acd1-43e60bd62168" xsi:nil="true"/>
-  </documentManagement>
-</p:properties>
+<?mso-contentType ?>
+<FormTemplates xmlns="http://schemas.microsoft.com/sharepoint/v3/contenttype/forms">
+  <Display>DocumentLibraryForm</Display>
+  <Edit>DocumentLibraryForm</Edit>
+  <New>DocumentLibraryForm</New>
+</FormTemplates>
 </file>
 
 <file path=customXml/itemProps1.xml><?xml version="1.0" encoding="utf-8"?>
-<ds:datastoreItem xmlns:ds="http://schemas.openxmlformats.org/officeDocument/2006/customXml" ds:itemID="{003798FF-2832-4538-A1D6-7268BE217D5F}">
+<ds:datastoreItem xmlns:ds="http://schemas.openxmlformats.org/officeDocument/2006/customXml" ds:itemID="{BA316F28-D208-4415-9364-9798B60EAF8D}">
   <ds:schemaRefs>
-    <ds:schemaRef ds:uri="http://schemas.microsoft.com/sharepoint/v3/contenttype/forms"/>
+    <ds:schemaRef ds:uri="http://schemas.microsoft.com/sharepoint/v3"/>
+    <ds:schemaRef ds:uri="http://schemas.microsoft.com/office/2006/documentManagement/types"/>
+    <ds:schemaRef ds:uri="http://www.w3.org/XML/1998/namespace"/>
+    <ds:schemaRef ds:uri="http://purl.org/dc/dcmitype/"/>
+    <ds:schemaRef ds:uri="http://schemas.microsoft.com/office/infopath/2007/PartnerControls"/>
+    <ds:schemaRef ds:uri="http://purl.org/dc/elements/1.1/"/>
+    <ds:schemaRef ds:uri="http://purl.org/dc/terms/"/>
+    <ds:schemaRef ds:uri="http://schemas.openxmlformats.org/package/2006/metadata/core-properties"/>
+    <ds:schemaRef ds:uri="http://schemas.microsoft.com/office/2006/metadata/properties"/>
+    <ds:schemaRef ds:uri="1e78d572-3cd7-4422-acd1-43e60bd62168"/>
   </ds:schemaRefs>
 </ds:datastoreItem>
 </file>
@@ -6467,18 +6336,9 @@
 </file>
 
 <file path=customXml/itemProps3.xml><?xml version="1.0" encoding="utf-8"?>
-<ds:datastoreItem xmlns:ds="http://schemas.openxmlformats.org/officeDocument/2006/customXml" ds:itemID="{BA316F28-D208-4415-9364-9798B60EAF8D}">
+<ds:datastoreItem xmlns:ds="http://schemas.openxmlformats.org/officeDocument/2006/customXml" ds:itemID="{003798FF-2832-4538-A1D6-7268BE217D5F}">
   <ds:schemaRefs>
-    <ds:schemaRef ds:uri="http://schemas.microsoft.com/sharepoint/v3"/>
-    <ds:schemaRef ds:uri="http://schemas.microsoft.com/office/2006/documentManagement/types"/>
-    <ds:schemaRef ds:uri="http://www.w3.org/XML/1998/namespace"/>
-    <ds:schemaRef ds:uri="http://purl.org/dc/dcmitype/"/>
-    <ds:schemaRef ds:uri="http://schemas.microsoft.com/office/infopath/2007/PartnerControls"/>
-    <ds:schemaRef ds:uri="http://purl.org/dc/elements/1.1/"/>
-    <ds:schemaRef ds:uri="http://purl.org/dc/terms/"/>
-    <ds:schemaRef ds:uri="http://schemas.openxmlformats.org/package/2006/metadata/core-properties"/>
-    <ds:schemaRef ds:uri="http://schemas.microsoft.com/office/2006/metadata/properties"/>
-    <ds:schemaRef ds:uri="1e78d572-3cd7-4422-acd1-43e60bd62168"/>
+    <ds:schemaRef ds:uri="http://schemas.microsoft.com/sharepoint/v3/contenttype/forms"/>
   </ds:schemaRefs>
 </ds:datastoreItem>
 </file>
--- a/Teleconference/20200626/00-agenda_01.pptx
+++ b/Teleconference/20200626/00-agenda_01.pptx
@@ -4117,7 +4117,7 @@
           <p:nvPr>
             <p:extLst>
               <p:ext uri="{D42A27DB-BD31-4B8C-83A1-F6EECF244321}">
-                <p14:modId xmlns:p14="http://schemas.microsoft.com/office/powerpoint/2010/main" val="3475747000"/>
+                <p14:modId xmlns:p14="http://schemas.microsoft.com/office/powerpoint/2010/main" val="467245050"/>
               </p:ext>
             </p:extLst>
           </p:nvPr>
@@ -4300,7 +4300,14 @@
                           <a:latin typeface="Meiryo UI" panose="020B0604030504040204" pitchFamily="34" charset="-128"/>
                           <a:ea typeface="Meiryo UI" panose="020B0604030504040204" pitchFamily="34" charset="-128"/>
                         </a:rPr>
-                        <a:t>Node-RED 1.2 and later</a:t>
+                        <a:t>Node-RED 1.2 </a:t>
+                      </a:r>
+                      <a:r>
+                        <a:rPr kumimoji="1" lang="en-US" altLang="ja-JP" sz="2000">
+                          <a:latin typeface="Meiryo UI" panose="020B0604030504040204" pitchFamily="34" charset="-128"/>
+                          <a:ea typeface="Meiryo UI" panose="020B0604030504040204" pitchFamily="34" charset="-128"/>
+                        </a:rPr>
+                        <a:t>and beyond</a:t>
                       </a:r>
                       <a:endParaRPr kumimoji="1" lang="ja-JP" altLang="en-US" sz="2000">
                         <a:latin typeface="Meiryo UI" panose="020B0604030504040204" pitchFamily="34" charset="-128"/>
@@ -6033,14 +6040,12 @@
 </file>
 
 <file path=customXml/item1.xml><?xml version="1.0" encoding="utf-8"?>
-<p:properties xmlns:p="http://schemas.microsoft.com/office/2006/metadata/properties" xmlns:xsi="http://www.w3.org/2001/XMLSchema-instance" xmlns:pc="http://schemas.microsoft.com/office/infopath/2007/PartnerControls">
-  <documentManagement>
-    <UniquePath xmlns="1e78d572-3cd7-4422-acd1-43e60bd62168" xsi:nil="true"/>
-    <_x5143__x306e__x30d1__x30b9_ xmlns="1e78d572-3cd7-4422-acd1-43e60bd62168" xsi:nil="true"/>
-    <Date_x0020_Modified xmlns="1e78d572-3cd7-4422-acd1-43e60bd62168" xsi:nil="true"/>
-    <_x5143__x306e__x89aa__x30d5__x30a9__x30eb__x30c0_ xmlns="1e78d572-3cd7-4422-acd1-43e60bd62168" xsi:nil="true"/>
-  </documentManagement>
-</p:properties>
+<?mso-contentType ?>
+<FormTemplates xmlns="http://schemas.microsoft.com/sharepoint/v3/contenttype/forms">
+  <Display>DocumentLibraryForm</Display>
+  <Edit>DocumentLibraryForm</Edit>
+  <New>DocumentLibraryForm</New>
+</FormTemplates>
 </file>
 
 <file path=customXml/item2.xml><?xml version="1.0" encoding="utf-8"?>
@@ -6291,27 +6296,20 @@
 </file>
 
 <file path=customXml/item3.xml><?xml version="1.0" encoding="utf-8"?>
-<?mso-contentType ?>
-<FormTemplates xmlns="http://schemas.microsoft.com/sharepoint/v3/contenttype/forms">
-  <Display>DocumentLibraryForm</Display>
-  <Edit>DocumentLibraryForm</Edit>
-  <New>DocumentLibraryForm</New>
-</FormTemplates>
+<p:properties xmlns:p="http://schemas.microsoft.com/office/2006/metadata/properties" xmlns:xsi="http://www.w3.org/2001/XMLSchema-instance" xmlns:pc="http://schemas.microsoft.com/office/infopath/2007/PartnerControls">
+  <documentManagement>
+    <UniquePath xmlns="1e78d572-3cd7-4422-acd1-43e60bd62168" xsi:nil="true"/>
+    <_x5143__x306e__x30d1__x30b9_ xmlns="1e78d572-3cd7-4422-acd1-43e60bd62168" xsi:nil="true"/>
+    <Date_x0020_Modified xmlns="1e78d572-3cd7-4422-acd1-43e60bd62168" xsi:nil="true"/>
+    <_x5143__x306e__x89aa__x30d5__x30a9__x30eb__x30c0_ xmlns="1e78d572-3cd7-4422-acd1-43e60bd62168" xsi:nil="true"/>
+  </documentManagement>
+</p:properties>
 </file>
 
 <file path=customXml/itemProps1.xml><?xml version="1.0" encoding="utf-8"?>
-<ds:datastoreItem xmlns:ds="http://schemas.openxmlformats.org/officeDocument/2006/customXml" ds:itemID="{BA316F28-D208-4415-9364-9798B60EAF8D}">
+<ds:datastoreItem xmlns:ds="http://schemas.openxmlformats.org/officeDocument/2006/customXml" ds:itemID="{003798FF-2832-4538-A1D6-7268BE217D5F}">
   <ds:schemaRefs>
-    <ds:schemaRef ds:uri="http://schemas.microsoft.com/sharepoint/v3"/>
-    <ds:schemaRef ds:uri="http://schemas.microsoft.com/office/2006/documentManagement/types"/>
-    <ds:schemaRef ds:uri="http://www.w3.org/XML/1998/namespace"/>
-    <ds:schemaRef ds:uri="http://purl.org/dc/dcmitype/"/>
-    <ds:schemaRef ds:uri="http://schemas.microsoft.com/office/infopath/2007/PartnerControls"/>
-    <ds:schemaRef ds:uri="http://purl.org/dc/elements/1.1/"/>
-    <ds:schemaRef ds:uri="http://purl.org/dc/terms/"/>
-    <ds:schemaRef ds:uri="http://schemas.openxmlformats.org/package/2006/metadata/core-properties"/>
-    <ds:schemaRef ds:uri="http://schemas.microsoft.com/office/2006/metadata/properties"/>
-    <ds:schemaRef ds:uri="1e78d572-3cd7-4422-acd1-43e60bd62168"/>
+    <ds:schemaRef ds:uri="http://schemas.microsoft.com/sharepoint/v3/contenttype/forms"/>
   </ds:schemaRefs>
 </ds:datastoreItem>
 </file>
@@ -6336,9 +6334,18 @@
 </file>
 
 <file path=customXml/itemProps3.xml><?xml version="1.0" encoding="utf-8"?>
-<ds:datastoreItem xmlns:ds="http://schemas.openxmlformats.org/officeDocument/2006/customXml" ds:itemID="{003798FF-2832-4538-A1D6-7268BE217D5F}">
+<ds:datastoreItem xmlns:ds="http://schemas.openxmlformats.org/officeDocument/2006/customXml" ds:itemID="{BA316F28-D208-4415-9364-9798B60EAF8D}">
   <ds:schemaRefs>
-    <ds:schemaRef ds:uri="http://schemas.microsoft.com/sharepoint/v3/contenttype/forms"/>
+    <ds:schemaRef ds:uri="http://schemas.microsoft.com/sharepoint/v3"/>
+    <ds:schemaRef ds:uri="http://schemas.microsoft.com/office/2006/documentManagement/types"/>
+    <ds:schemaRef ds:uri="http://www.w3.org/XML/1998/namespace"/>
+    <ds:schemaRef ds:uri="http://purl.org/dc/dcmitype/"/>
+    <ds:schemaRef ds:uri="http://schemas.microsoft.com/office/infopath/2007/PartnerControls"/>
+    <ds:schemaRef ds:uri="http://purl.org/dc/elements/1.1/"/>
+    <ds:schemaRef ds:uri="http://purl.org/dc/terms/"/>
+    <ds:schemaRef ds:uri="http://schemas.openxmlformats.org/package/2006/metadata/core-properties"/>
+    <ds:schemaRef ds:uri="http://schemas.microsoft.com/office/2006/metadata/properties"/>
+    <ds:schemaRef ds:uri="1e78d572-3cd7-4422-acd1-43e60bd62168"/>
   </ds:schemaRefs>
 </ds:datastoreItem>
 </file>